--- a/building-ai-applications/ready/07__ServerlessLLMBedrock.pptx
+++ b/building-ai-applications/ready/07__ServerlessLLMBedrock.pptx
@@ -5,40 +5,40 @@
     <p:sldMasterId id="2147483651" r:id="rId1"/>
   </p:sldMasterIdLst>
   <p:notesMasterIdLst>
-    <p:notesMasterId r:id="rId30"/>
+    <p:notesMasterId r:id="rId2"/>
   </p:notesMasterIdLst>
   <p:handoutMasterIdLst>
-    <p:handoutMasterId r:id="rId31"/>
+    <p:handoutMasterId r:id="rId3"/>
   </p:handoutMasterIdLst>
   <p:sldIdLst>
-    <p:sldId id="256" r:id="rId2"/>
-    <p:sldId id="257" r:id="rId3"/>
-    <p:sldId id="258" r:id="rId4"/>
-    <p:sldId id="259" r:id="rId5"/>
-    <p:sldId id="260" r:id="rId6"/>
-    <p:sldId id="261" r:id="rId7"/>
-    <p:sldId id="262" r:id="rId8"/>
-    <p:sldId id="263" r:id="rId9"/>
-    <p:sldId id="264" r:id="rId10"/>
-    <p:sldId id="265" r:id="rId11"/>
-    <p:sldId id="266" r:id="rId12"/>
-    <p:sldId id="267" r:id="rId13"/>
-    <p:sldId id="268" r:id="rId14"/>
-    <p:sldId id="269" r:id="rId15"/>
-    <p:sldId id="270" r:id="rId16"/>
-    <p:sldId id="271" r:id="rId17"/>
-    <p:sldId id="272" r:id="rId18"/>
-    <p:sldId id="273" r:id="rId19"/>
-    <p:sldId id="274" r:id="rId20"/>
-    <p:sldId id="275" r:id="rId21"/>
-    <p:sldId id="276" r:id="rId22"/>
-    <p:sldId id="277" r:id="rId23"/>
-    <p:sldId id="278" r:id="rId24"/>
-    <p:sldId id="279" r:id="rId25"/>
-    <p:sldId id="280" r:id="rId26"/>
-    <p:sldId id="281" r:id="rId27"/>
-    <p:sldId id="282" r:id="rId28"/>
-    <p:sldId id="283" r:id="rId29"/>
+    <p:sldId id="256" r:id="rId9"/>
+    <p:sldId id="257" r:id="rId10"/>
+    <p:sldId id="258" r:id="rId11"/>
+    <p:sldId id="259" r:id="rId12"/>
+    <p:sldId id="260" r:id="rId13"/>
+    <p:sldId id="261" r:id="rId14"/>
+    <p:sldId id="262" r:id="rId15"/>
+    <p:sldId id="263" r:id="rId16"/>
+    <p:sldId id="264" r:id="rId17"/>
+    <p:sldId id="265" r:id="rId18"/>
+    <p:sldId id="266" r:id="rId19"/>
+    <p:sldId id="267" r:id="rId20"/>
+    <p:sldId id="268" r:id="rId21"/>
+    <p:sldId id="269" r:id="rId22"/>
+    <p:sldId id="270" r:id="rId23"/>
+    <p:sldId id="271" r:id="rId24"/>
+    <p:sldId id="272" r:id="rId25"/>
+    <p:sldId id="273" r:id="rId26"/>
+    <p:sldId id="274" r:id="rId27"/>
+    <p:sldId id="275" r:id="rId28"/>
+    <p:sldId id="276" r:id="rId29"/>
+    <p:sldId id="277" r:id="rId30"/>
+    <p:sldId id="278" r:id="rId31"/>
+    <p:sldId id="279" r:id="rId32"/>
+    <p:sldId id="280" r:id="rId33"/>
+    <p:sldId id="281" r:id="rId34"/>
+    <p:sldId id="282" r:id="rId35"/>
+    <p:sldId id="283" r:id="rId36"/>
   </p:sldIdLst>
   <p:sldSz cx="9372600" cy="8297863"/>
   <p:notesSz cx="7315200" cy="9601200"/>
@@ -206,7 +206,9 @@
   <p:cmAuthor id="2" name="Mark Kerzner" initials="MK" lastIdx="6" clrIdx="1"/>
   <p:cmAuthor id="3" name="Mary Beth Conlee" initials="MBC" lastIdx="7" clrIdx="2"/>
   <p:cmAuthor id="4" name="Michelle" initials="M" lastIdx="5" clrIdx="3"/>
-  <p:cmAuthor id="5" name="Tricia Murphy" initials="TM" lastIdx="4" clrIdx="4"/>
+  <p:cmAuthor id="5" name="Tricia Murphy" initials="TM" lastIdx="4" clrIdx="4">
+    <p:extLst/>
+  </p:cmAuthor>
 </p:cmAuthorLst>
 </file>
 
@@ -2289,7 +2291,7 @@
 </file>
 
 <file path=ppt/slides/slide1.xml><?xml version="1.0" encoding="utf-8"?>
-<p:sld xmlns:a="http://schemas.openxmlformats.org/drawingml/2006/main" xmlns:r="http://schemas.openxmlformats.org/officeDocument/2006/relationships" xmlns:p="http://schemas.openxmlformats.org/presentationml/2006/main">
+<p:sld xmlns:a="http://schemas.openxmlformats.org/drawingml/2006/main" xmlns:p="http://schemas.openxmlformats.org/presentationml/2006/main" xmlns:r="http://schemas.openxmlformats.org/officeDocument/2006/relationships">
   <p:cSld>
     <p:spTree>
       <p:nvGrpSpPr>
@@ -2297,14 +2299,7 @@
         <p:cNvGrpSpPr/>
         <p:nvPr/>
       </p:nvGrpSpPr>
-      <p:grpSpPr>
-        <a:xfrm>
-          <a:off x="0" y="0"/>
-          <a:ext cx="0" cy="0"/>
-          <a:chOff x="0" y="0"/>
-          <a:chExt cx="0" cy="0"/>
-        </a:xfrm>
-      </p:grpSpPr>
+      <p:grpSpPr/>
       <p:sp>
         <p:nvSpPr>
           <p:cNvPr id="2" name="Subtitle 1"/>
@@ -2312,15 +2307,10 @@
             <a:spLocks noGrp="1"/>
           </p:cNvSpPr>
           <p:nvPr>
-            <p:ph type="subTitle" sz="quarter" idx="1"/>
-          </p:nvPr>
-        </p:nvSpPr>
-        <p:spPr>
-          <a:xfrm>
-            <a:off x="2498726" y="4984481"/>
-            <a:ext cx="6335713" cy="1791835"/>
-          </a:xfrm>
-        </p:spPr>
+            <p:ph type="subTitle" idx="1" sz="quarter"/>
+          </p:nvPr>
+        </p:nvSpPr>
+        <p:spPr/>
         <p:txBody>
           <a:bodyPr/>
           <a:lstStyle/>
@@ -2329,25 +2319,21 @@
               <a:defRPr sz="3200"/>
             </a:pPr>
             <a:r>
-              <a:rPr lang="en-US" sz="2400" dirty="0"/>
               <a:t>Starting with Amazon Bedrock</a:t>
             </a:r>
           </a:p>
           <a:p>
             <a:r>
-              <a:rPr lang="en-US" sz="2400" dirty="0"/>
               <a:t>Summarizing an Audio File</a:t>
             </a:r>
           </a:p>
           <a:p>
             <a:r>
-              <a:rPr lang="en-US" sz="2400" dirty="0"/>
               <a:t>Enable Logging in Bedrock</a:t>
             </a:r>
           </a:p>
           <a:p>
             <a:r>
-              <a:rPr lang="en-US" sz="2400" dirty="0"/>
               <a:t>Deploying an AWS Lambda Function</a:t>
             </a:r>
           </a:p>
@@ -2376,6 +2362,9 @@
               </a:rPr>
               <a:t>Serverless LLM with Bedrock</a:t>
             </a:r>
+            <a:endParaRPr sz="4200" b="1" i="0">
+              <a:latin typeface="Times New Roman"/>
+            </a:endParaRPr>
           </a:p>
         </p:txBody>
       </p:sp>
@@ -2421,7 +2410,7 @@
 </file>
 
 <file path=ppt/slides/slide10.xml><?xml version="1.0" encoding="utf-8"?>
-<p:sld xmlns:a="http://schemas.openxmlformats.org/drawingml/2006/main" xmlns:r="http://schemas.openxmlformats.org/officeDocument/2006/relationships" xmlns:p="http://schemas.openxmlformats.org/presentationml/2006/main">
+<p:sld xmlns:a="http://schemas.openxmlformats.org/drawingml/2006/main" xmlns:p="http://schemas.openxmlformats.org/presentationml/2006/main" xmlns:r="http://schemas.openxmlformats.org/officeDocument/2006/relationships">
   <p:cSld>
     <p:spTree>
       <p:nvGrpSpPr>
@@ -2429,14 +2418,7 @@
         <p:cNvGrpSpPr/>
         <p:nvPr/>
       </p:nvGrpSpPr>
-      <p:grpSpPr>
-        <a:xfrm>
-          <a:off x="0" y="0"/>
-          <a:ext cx="0" cy="0"/>
-          <a:chOff x="0" y="0"/>
-          <a:chExt cx="0" cy="0"/>
-        </a:xfrm>
-      </p:grpSpPr>
+      <p:grpSpPr/>
       <p:sp>
         <p:nvSpPr>
           <p:cNvPr id="2" name="Subtitle 1"/>
@@ -2444,15 +2426,10 @@
             <a:spLocks noGrp="1"/>
           </p:cNvSpPr>
           <p:nvPr>
-            <p:ph type="subTitle" sz="quarter" idx="1"/>
-          </p:nvPr>
-        </p:nvSpPr>
-        <p:spPr>
-          <a:xfrm>
-            <a:off x="2498726" y="4984481"/>
-            <a:ext cx="6335713" cy="2235033"/>
-          </a:xfrm>
-        </p:spPr>
+            <p:ph type="subTitle" idx="1" sz="quarter"/>
+          </p:nvPr>
+        </p:nvSpPr>
+        <p:spPr/>
         <p:txBody>
           <a:bodyPr/>
           <a:lstStyle/>
@@ -2461,19 +2438,20 @@
               <a:defRPr sz="3200"/>
             </a:pPr>
             <a:r>
-              <a:rPr sz="2400" dirty="0"/>
               <a:t>Starting with Amazon Bedrock
 </a:t>
             </a:r>
             <a:r>
-              <a:rPr sz="2400" b="1" dirty="0"/>
+              <a:rPr b="1"/>
               <a:t>Summarizing an Audio File
 </a:t>
             </a:r>
             <a:r>
-              <a:rPr sz="2400" dirty="0"/>
               <a:t>Enable Logging in Bedrock
-Deploying an AWS Lambda Function
+</a:t>
+            </a:r>
+            <a:r>
+              <a:t>Deploying an AWS Lambda Function
 </a:t>
             </a:r>
           </a:p>
@@ -2502,6 +2480,9 @@
               </a:rPr>
               <a:t>Summarizing an Audio File</a:t>
             </a:r>
+            <a:endParaRPr sz="4200" b="1" i="0">
+              <a:latin typeface="Times New Roman"/>
+            </a:endParaRPr>
           </a:p>
         </p:txBody>
       </p:sp>
@@ -2547,7 +2528,7 @@
 </file>
 
 <file path=ppt/slides/slide11.xml><?xml version="1.0" encoding="utf-8"?>
-<p:sld xmlns:a="http://schemas.openxmlformats.org/drawingml/2006/main" xmlns:r="http://schemas.openxmlformats.org/officeDocument/2006/relationships" xmlns:p="http://schemas.openxmlformats.org/presentationml/2006/main">
+<p:sld xmlns:a="http://schemas.openxmlformats.org/drawingml/2006/main" xmlns:p="http://schemas.openxmlformats.org/presentationml/2006/main" xmlns:r="http://schemas.openxmlformats.org/officeDocument/2006/relationships">
   <p:cSld>
     <p:spTree>
       <p:nvGrpSpPr>
@@ -2555,14 +2536,7 @@
         <p:cNvGrpSpPr/>
         <p:nvPr/>
       </p:nvGrpSpPr>
-      <p:grpSpPr>
-        <a:xfrm>
-          <a:off x="0" y="0"/>
-          <a:ext cx="0" cy="0"/>
-          <a:chOff x="0" y="0"/>
-          <a:chExt cx="0" cy="0"/>
-        </a:xfrm>
-      </p:grpSpPr>
+      <p:grpSpPr/>
       <p:sp>
         <p:nvSpPr>
           <p:cNvPr id="2" name="Title 1"/>
@@ -2683,7 +2657,7 @@
 </file>
 
 <file path=ppt/slides/slide12.xml><?xml version="1.0" encoding="utf-8"?>
-<p:sld xmlns:a="http://schemas.openxmlformats.org/drawingml/2006/main" xmlns:r="http://schemas.openxmlformats.org/officeDocument/2006/relationships" xmlns:p="http://schemas.openxmlformats.org/presentationml/2006/main">
+<p:sld xmlns:a="http://schemas.openxmlformats.org/drawingml/2006/main" xmlns:p="http://schemas.openxmlformats.org/presentationml/2006/main" xmlns:r="http://schemas.openxmlformats.org/officeDocument/2006/relationships">
   <p:cSld>
     <p:spTree>
       <p:nvGrpSpPr>
@@ -2691,14 +2665,7 @@
         <p:cNvGrpSpPr/>
         <p:nvPr/>
       </p:nvGrpSpPr>
-      <p:grpSpPr>
-        <a:xfrm>
-          <a:off x="0" y="0"/>
-          <a:ext cx="0" cy="0"/>
-          <a:chOff x="0" y="0"/>
-          <a:chExt cx="0" cy="0"/>
-        </a:xfrm>
-      </p:grpSpPr>
+      <p:grpSpPr/>
       <p:sp>
         <p:nvSpPr>
           <p:cNvPr id="2" name="Title 1"/>
@@ -2805,7 +2772,7 @@
 </file>
 
 <file path=ppt/slides/slide13.xml><?xml version="1.0" encoding="utf-8"?>
-<p:sld xmlns:a="http://schemas.openxmlformats.org/drawingml/2006/main" xmlns:r="http://schemas.openxmlformats.org/officeDocument/2006/relationships" xmlns:p="http://schemas.openxmlformats.org/presentationml/2006/main">
+<p:sld xmlns:a="http://schemas.openxmlformats.org/drawingml/2006/main" xmlns:p="http://schemas.openxmlformats.org/presentationml/2006/main" xmlns:r="http://schemas.openxmlformats.org/officeDocument/2006/relationships">
   <p:cSld>
     <p:spTree>
       <p:nvGrpSpPr>
@@ -2813,14 +2780,7 @@
         <p:cNvGrpSpPr/>
         <p:nvPr/>
       </p:nvGrpSpPr>
-      <p:grpSpPr>
-        <a:xfrm>
-          <a:off x="0" y="0"/>
-          <a:ext cx="0" cy="0"/>
-          <a:chOff x="0" y="0"/>
-          <a:chExt cx="0" cy="0"/>
-        </a:xfrm>
-      </p:grpSpPr>
+      <p:grpSpPr/>
       <p:sp>
         <p:nvSpPr>
           <p:cNvPr id="2" name="Title 1"/>
@@ -2858,43 +2818,24 @@
           <a:lstStyle/>
           <a:p>
             <a:r>
-              <a:rPr dirty="0"/>
               <a:t> Use Amazon Transcribe for speech-to-text conversion:</a:t>
             </a:r>
-            <a:endParaRPr lang="en-US" dirty="0"/>
-          </a:p>
-          <a:p>
-            <a:endParaRPr lang="en-US" dirty="0"/>
-          </a:p>
-          <a:p>
-            <a:endParaRPr lang="en-US" dirty="0"/>
-          </a:p>
-          <a:p>
-            <a:endParaRPr dirty="0"/>
-          </a:p>
-          <a:p>
-            <a:endParaRPr dirty="0"/>
-          </a:p>
-          <a:p>
-            <a:endParaRPr dirty="0"/>
-          </a:p>
-          <a:p>
-            <a:endParaRPr dirty="0"/>
-          </a:p>
-          <a:p>
-            <a:r>
-              <a:rPr b="1" dirty="0"/>
+          </a:p>
+          <a:p/>
+          <a:p/>
+          <a:p/>
+          <a:p>
+            <a:r>
+              <a:rPr b="1"/>
               <a:t> Key Insight</a:t>
             </a:r>
             <a:r>
-              <a:rPr dirty="0"/>
               <a:t> :</a:t>
             </a:r>
           </a:p>
           <a:p>
             <a:pPr lvl="1"/>
             <a:r>
-              <a:rPr dirty="0"/>
               <a:t> Transcribe can handle multiple languages and audio formats, making it versatile for global applications.</a:t>
             </a:r>
           </a:p>
@@ -2949,8 +2890,8 @@
         </p:blipFill>
         <p:spPr>
           <a:xfrm>
-            <a:off x="702677" y="1634331"/>
-            <a:ext cx="8098423" cy="2012903"/>
+            <a:off x="0" y="1353312"/>
+            <a:ext cx="8788400" cy="2387600"/>
           </a:xfrm>
           <a:prstGeom prst="rect">
             <a:avLst/>
@@ -2966,7 +2907,7 @@
 </file>
 
 <file path=ppt/slides/slide14.xml><?xml version="1.0" encoding="utf-8"?>
-<p:sld xmlns:a="http://schemas.openxmlformats.org/drawingml/2006/main" xmlns:r="http://schemas.openxmlformats.org/officeDocument/2006/relationships" xmlns:p="http://schemas.openxmlformats.org/presentationml/2006/main">
+<p:sld xmlns:a="http://schemas.openxmlformats.org/drawingml/2006/main" xmlns:p="http://schemas.openxmlformats.org/presentationml/2006/main" xmlns:r="http://schemas.openxmlformats.org/officeDocument/2006/relationships">
   <p:cSld>
     <p:spTree>
       <p:nvGrpSpPr>
@@ -2974,14 +2915,7 @@
         <p:cNvGrpSpPr/>
         <p:nvPr/>
       </p:nvGrpSpPr>
-      <p:grpSpPr>
-        <a:xfrm>
-          <a:off x="0" y="0"/>
-          <a:ext cx="0" cy="0"/>
-          <a:chOff x="0" y="0"/>
-          <a:chExt cx="0" cy="0"/>
-        </a:xfrm>
-      </p:grpSpPr>
+      <p:grpSpPr/>
       <p:sp>
         <p:nvSpPr>
           <p:cNvPr id="2" name="Title 1"/>
@@ -3022,18 +2956,10 @@
               <a:t> Use Bedrock to summarize the transcribed text:</a:t>
             </a:r>
           </a:p>
-          <a:p>
-            <a:endParaRPr/>
-          </a:p>
-          <a:p>
-            <a:endParaRPr/>
-          </a:p>
-          <a:p>
-            <a:endParaRPr/>
-          </a:p>
-          <a:p>
-            <a:endParaRPr/>
-          </a:p>
+          <a:p/>
+          <a:p/>
+          <a:p/>
+          <a:p/>
         </p:txBody>
       </p:sp>
       <p:sp>
@@ -3085,8 +3011,8 @@
         </p:blipFill>
         <p:spPr>
           <a:xfrm>
-            <a:off x="704088" y="1700918"/>
-            <a:ext cx="8266716" cy="1762213"/>
+            <a:off x="0" y="1353312"/>
+            <a:ext cx="11379200" cy="2654300"/>
           </a:xfrm>
           <a:prstGeom prst="rect">
             <a:avLst/>
@@ -3102,7 +3028,7 @@
 </file>
 
 <file path=ppt/slides/slide15.xml><?xml version="1.0" encoding="utf-8"?>
-<p:sld xmlns:a="http://schemas.openxmlformats.org/drawingml/2006/main" xmlns:r="http://schemas.openxmlformats.org/officeDocument/2006/relationships" xmlns:p="http://schemas.openxmlformats.org/presentationml/2006/main">
+<p:sld xmlns:a="http://schemas.openxmlformats.org/drawingml/2006/main" xmlns:p="http://schemas.openxmlformats.org/presentationml/2006/main" xmlns:r="http://schemas.openxmlformats.org/officeDocument/2006/relationships">
   <p:cSld>
     <p:spTree>
       <p:nvGrpSpPr>
@@ -3110,14 +3036,7 @@
         <p:cNvGrpSpPr/>
         <p:nvPr/>
       </p:nvGrpSpPr>
-      <p:grpSpPr>
-        <a:xfrm>
-          <a:off x="0" y="0"/>
-          <a:ext cx="0" cy="0"/>
-          <a:chOff x="0" y="0"/>
-          <a:chExt cx="0" cy="0"/>
-        </a:xfrm>
-      </p:grpSpPr>
+      <p:grpSpPr/>
       <p:sp>
         <p:nvSpPr>
           <p:cNvPr id="2" name="Title 1"/>
@@ -3233,7 +3152,7 @@
 </file>
 
 <file path=ppt/slides/slide16.xml><?xml version="1.0" encoding="utf-8"?>
-<p:sld xmlns:a="http://schemas.openxmlformats.org/drawingml/2006/main" xmlns:r="http://schemas.openxmlformats.org/officeDocument/2006/relationships" xmlns:p="http://schemas.openxmlformats.org/presentationml/2006/main">
+<p:sld xmlns:a="http://schemas.openxmlformats.org/drawingml/2006/main" xmlns:p="http://schemas.openxmlformats.org/presentationml/2006/main" xmlns:r="http://schemas.openxmlformats.org/officeDocument/2006/relationships">
   <p:cSld>
     <p:spTree>
       <p:nvGrpSpPr>
@@ -3241,14 +3160,7 @@
         <p:cNvGrpSpPr/>
         <p:nvPr/>
       </p:nvGrpSpPr>
-      <p:grpSpPr>
-        <a:xfrm>
-          <a:off x="0" y="0"/>
-          <a:ext cx="0" cy="0"/>
-          <a:chOff x="0" y="0"/>
-          <a:chExt cx="0" cy="0"/>
-        </a:xfrm>
-      </p:grpSpPr>
+      <p:grpSpPr/>
       <p:sp>
         <p:nvSpPr>
           <p:cNvPr id="2" name="Title 1"/>
@@ -3370,7 +3282,7 @@
 </file>
 
 <file path=ppt/slides/slide17.xml><?xml version="1.0" encoding="utf-8"?>
-<p:sld xmlns:a="http://schemas.openxmlformats.org/drawingml/2006/main" xmlns:r="http://schemas.openxmlformats.org/officeDocument/2006/relationships" xmlns:p="http://schemas.openxmlformats.org/presentationml/2006/main">
+<p:sld xmlns:a="http://schemas.openxmlformats.org/drawingml/2006/main" xmlns:p="http://schemas.openxmlformats.org/presentationml/2006/main" xmlns:r="http://schemas.openxmlformats.org/officeDocument/2006/relationships">
   <p:cSld>
     <p:spTree>
       <p:nvGrpSpPr>
@@ -3378,14 +3290,7 @@
         <p:cNvGrpSpPr/>
         <p:nvPr/>
       </p:nvGrpSpPr>
-      <p:grpSpPr>
-        <a:xfrm>
-          <a:off x="0" y="0"/>
-          <a:ext cx="0" cy="0"/>
-          <a:chOff x="0" y="0"/>
-          <a:chExt cx="0" cy="0"/>
-        </a:xfrm>
-      </p:grpSpPr>
+      <p:grpSpPr/>
       <p:sp>
         <p:nvSpPr>
           <p:cNvPr id="2" name="Subtitle 1"/>
@@ -3393,15 +3298,10 @@
             <a:spLocks noGrp="1"/>
           </p:cNvSpPr>
           <p:nvPr>
-            <p:ph type="subTitle" sz="quarter" idx="1"/>
-          </p:nvPr>
-        </p:nvSpPr>
-        <p:spPr>
-          <a:xfrm>
-            <a:off x="2498726" y="4984481"/>
-            <a:ext cx="6335713" cy="2235033"/>
-          </a:xfrm>
-        </p:spPr>
+            <p:ph type="subTitle" idx="1" sz="quarter"/>
+          </p:nvPr>
+        </p:nvSpPr>
+        <p:spPr/>
         <p:txBody>
           <a:bodyPr/>
           <a:lstStyle/>
@@ -3410,18 +3310,19 @@
               <a:defRPr sz="3200"/>
             </a:pPr>
             <a:r>
-              <a:rPr sz="2400" dirty="0"/>
               <a:t>Starting with Amazon Bedrock
-Summarizing an Audio File
 </a:t>
             </a:r>
             <a:r>
-              <a:rPr sz="2400" b="1" dirty="0"/>
+              <a:t>Summarizing an Audio File
+</a:t>
+            </a:r>
+            <a:r>
+              <a:rPr b="1"/>
               <a:t>Enable Logging in Bedrock
 </a:t>
             </a:r>
             <a:r>
-              <a:rPr sz="2400" dirty="0"/>
               <a:t>Deploying an AWS Lambda Function
 </a:t>
             </a:r>
@@ -3451,6 +3352,9 @@
               </a:rPr>
               <a:t>Enable Logging in Bedrock</a:t>
             </a:r>
+            <a:endParaRPr sz="4200" b="1" i="0">
+              <a:latin typeface="Times New Roman"/>
+            </a:endParaRPr>
           </a:p>
         </p:txBody>
       </p:sp>
@@ -3496,7 +3400,7 @@
 </file>
 
 <file path=ppt/slides/slide18.xml><?xml version="1.0" encoding="utf-8"?>
-<p:sld xmlns:a="http://schemas.openxmlformats.org/drawingml/2006/main" xmlns:r="http://schemas.openxmlformats.org/officeDocument/2006/relationships" xmlns:p="http://schemas.openxmlformats.org/presentationml/2006/main">
+<p:sld xmlns:a="http://schemas.openxmlformats.org/drawingml/2006/main" xmlns:p="http://schemas.openxmlformats.org/presentationml/2006/main" xmlns:r="http://schemas.openxmlformats.org/officeDocument/2006/relationships">
   <p:cSld>
     <p:spTree>
       <p:nvGrpSpPr>
@@ -3504,14 +3408,7 @@
         <p:cNvGrpSpPr/>
         <p:nvPr/>
       </p:nvGrpSpPr>
-      <p:grpSpPr>
-        <a:xfrm>
-          <a:off x="0" y="0"/>
-          <a:ext cx="0" cy="0"/>
-          <a:chOff x="0" y="0"/>
-          <a:chExt cx="0" cy="0"/>
-        </a:xfrm>
-      </p:grpSpPr>
+      <p:grpSpPr/>
       <p:sp>
         <p:nvSpPr>
           <p:cNvPr id="2" name="Title 1"/>
@@ -3617,7 +3514,7 @@
 </file>
 
 <file path=ppt/slides/slide19.xml><?xml version="1.0" encoding="utf-8"?>
-<p:sld xmlns:a="http://schemas.openxmlformats.org/drawingml/2006/main" xmlns:r="http://schemas.openxmlformats.org/officeDocument/2006/relationships" xmlns:p="http://schemas.openxmlformats.org/presentationml/2006/main">
+<p:sld xmlns:a="http://schemas.openxmlformats.org/drawingml/2006/main" xmlns:p="http://schemas.openxmlformats.org/presentationml/2006/main" xmlns:r="http://schemas.openxmlformats.org/officeDocument/2006/relationships">
   <p:cSld>
     <p:spTree>
       <p:nvGrpSpPr>
@@ -3625,14 +3522,7 @@
         <p:cNvGrpSpPr/>
         <p:nvPr/>
       </p:nvGrpSpPr>
-      <p:grpSpPr>
-        <a:xfrm>
-          <a:off x="0" y="0"/>
-          <a:ext cx="0" cy="0"/>
-          <a:chOff x="0" y="0"/>
-          <a:chExt cx="0" cy="0"/>
-        </a:xfrm>
-      </p:grpSpPr>
+      <p:grpSpPr/>
       <p:sp>
         <p:nvSpPr>
           <p:cNvPr id="2" name="Title 1"/>
@@ -3751,7 +3641,7 @@
 </file>
 
 <file path=ppt/slides/slide2.xml><?xml version="1.0" encoding="utf-8"?>
-<p:sld xmlns:a="http://schemas.openxmlformats.org/drawingml/2006/main" xmlns:r="http://schemas.openxmlformats.org/officeDocument/2006/relationships" xmlns:p="http://schemas.openxmlformats.org/presentationml/2006/main">
+<p:sld xmlns:a="http://schemas.openxmlformats.org/drawingml/2006/main" xmlns:p="http://schemas.openxmlformats.org/presentationml/2006/main" xmlns:r="http://schemas.openxmlformats.org/officeDocument/2006/relationships">
   <p:cSld>
     <p:spTree>
       <p:nvGrpSpPr>
@@ -3759,14 +3649,7 @@
         <p:cNvGrpSpPr/>
         <p:nvPr/>
       </p:nvGrpSpPr>
-      <p:grpSpPr>
-        <a:xfrm>
-          <a:off x="0" y="0"/>
-          <a:ext cx="0" cy="0"/>
-          <a:chOff x="0" y="0"/>
-          <a:chExt cx="0" cy="0"/>
-        </a:xfrm>
-      </p:grpSpPr>
+      <p:grpSpPr/>
       <p:sp>
         <p:nvSpPr>
           <p:cNvPr id="2" name="Subtitle 1"/>
@@ -3774,15 +3657,10 @@
             <a:spLocks noGrp="1"/>
           </p:cNvSpPr>
           <p:nvPr>
-            <p:ph type="subTitle" sz="quarter" idx="1"/>
-          </p:nvPr>
-        </p:nvSpPr>
-        <p:spPr>
-          <a:xfrm>
-            <a:off x="2498726" y="4984481"/>
-            <a:ext cx="6335713" cy="2235033"/>
-          </a:xfrm>
-        </p:spPr>
+            <p:ph type="subTitle" idx="1" sz="quarter"/>
+          </p:nvPr>
+        </p:nvSpPr>
+        <p:spPr/>
         <p:txBody>
           <a:bodyPr/>
           <a:lstStyle/>
@@ -3791,15 +3669,20 @@
               <a:defRPr sz="3200"/>
             </a:pPr>
             <a:r>
-              <a:rPr sz="2400" b="1" dirty="0"/>
+              <a:rPr b="1"/>
               <a:t>Starting with Amazon Bedrock
 </a:t>
             </a:r>
             <a:r>
-              <a:rPr sz="2400" dirty="0"/>
               <a:t>Summarizing an Audio File
-Enable Logging in Bedrock
-Deploying an AWS Lambda Function
+</a:t>
+            </a:r>
+            <a:r>
+              <a:t>Enable Logging in Bedrock
+</a:t>
+            </a:r>
+            <a:r>
+              <a:t>Deploying an AWS Lambda Function
 </a:t>
             </a:r>
           </a:p>
@@ -3828,6 +3711,9 @@
               </a:rPr>
               <a:t>Starting with Amazon Bedrock</a:t>
             </a:r>
+            <a:endParaRPr sz="4200" b="1" i="0">
+              <a:latin typeface="Times New Roman"/>
+            </a:endParaRPr>
           </a:p>
         </p:txBody>
       </p:sp>
@@ -3873,7 +3759,7 @@
 </file>
 
 <file path=ppt/slides/slide20.xml><?xml version="1.0" encoding="utf-8"?>
-<p:sld xmlns:a="http://schemas.openxmlformats.org/drawingml/2006/main" xmlns:r="http://schemas.openxmlformats.org/officeDocument/2006/relationships" xmlns:p="http://schemas.openxmlformats.org/presentationml/2006/main">
+<p:sld xmlns:a="http://schemas.openxmlformats.org/drawingml/2006/main" xmlns:p="http://schemas.openxmlformats.org/presentationml/2006/main" xmlns:r="http://schemas.openxmlformats.org/officeDocument/2006/relationships">
   <p:cSld>
     <p:spTree>
       <p:nvGrpSpPr>
@@ -3881,14 +3767,7 @@
         <p:cNvGrpSpPr/>
         <p:nvPr/>
       </p:nvGrpSpPr>
-      <p:grpSpPr>
-        <a:xfrm>
-          <a:off x="0" y="0"/>
-          <a:ext cx="0" cy="0"/>
-          <a:chOff x="0" y="0"/>
-          <a:chExt cx="0" cy="0"/>
-        </a:xfrm>
-      </p:grpSpPr>
+      <p:grpSpPr/>
       <p:sp>
         <p:nvSpPr>
           <p:cNvPr id="2" name="Title 1"/>
@@ -3929,12 +3808,8 @@
               <a:t> Example:</a:t>
             </a:r>
           </a:p>
-          <a:p>
-            <a:endParaRPr/>
-          </a:p>
-          <a:p>
-            <a:endParaRPr/>
-          </a:p>
+          <a:p/>
+          <a:p/>
         </p:txBody>
       </p:sp>
       <p:sp>
@@ -3986,8 +3861,8 @@
         </p:blipFill>
         <p:spPr>
           <a:xfrm>
-            <a:off x="705499" y="1558131"/>
-            <a:ext cx="6654800" cy="1219200"/>
+            <a:off x="0" y="1353312"/>
+            <a:ext cx="6654800" cy="1320800"/>
           </a:xfrm>
           <a:prstGeom prst="rect">
             <a:avLst/>
@@ -4003,7 +3878,7 @@
 </file>
 
 <file path=ppt/slides/slide21.xml><?xml version="1.0" encoding="utf-8"?>
-<p:sld xmlns:a="http://schemas.openxmlformats.org/drawingml/2006/main" xmlns:r="http://schemas.openxmlformats.org/officeDocument/2006/relationships" xmlns:p="http://schemas.openxmlformats.org/presentationml/2006/main">
+<p:sld xmlns:a="http://schemas.openxmlformats.org/drawingml/2006/main" xmlns:p="http://schemas.openxmlformats.org/presentationml/2006/main" xmlns:r="http://schemas.openxmlformats.org/officeDocument/2006/relationships">
   <p:cSld>
     <p:spTree>
       <p:nvGrpSpPr>
@@ -4011,14 +3886,7 @@
         <p:cNvGrpSpPr/>
         <p:nvPr/>
       </p:nvGrpSpPr>
-      <p:grpSpPr>
-        <a:xfrm>
-          <a:off x="0" y="0"/>
-          <a:ext cx="0" cy="0"/>
-          <a:chOff x="0" y="0"/>
-          <a:chExt cx="0" cy="0"/>
-        </a:xfrm>
-      </p:grpSpPr>
+      <p:grpSpPr/>
       <p:sp>
         <p:nvSpPr>
           <p:cNvPr id="2" name="Title 1"/>
@@ -4059,18 +3927,10 @@
               <a:t> Example:</a:t>
             </a:r>
           </a:p>
-          <a:p>
-            <a:endParaRPr/>
-          </a:p>
-          <a:p>
-            <a:endParaRPr/>
-          </a:p>
-          <a:p>
-            <a:endParaRPr/>
-          </a:p>
-          <a:p>
-            <a:endParaRPr/>
-          </a:p>
+          <a:p/>
+          <a:p/>
+          <a:p/>
+          <a:p/>
         </p:txBody>
       </p:sp>
       <p:sp>
@@ -4122,8 +3982,8 @@
         </p:blipFill>
         <p:spPr>
           <a:xfrm>
-            <a:off x="704088" y="1558131"/>
-            <a:ext cx="7944612" cy="2231501"/>
+            <a:off x="0" y="1353312"/>
+            <a:ext cx="8636000" cy="2654300"/>
           </a:xfrm>
           <a:prstGeom prst="rect">
             <a:avLst/>
@@ -4139,7 +3999,7 @@
 </file>
 
 <file path=ppt/slides/slide22.xml><?xml version="1.0" encoding="utf-8"?>
-<p:sld xmlns:a="http://schemas.openxmlformats.org/drawingml/2006/main" xmlns:r="http://schemas.openxmlformats.org/officeDocument/2006/relationships" xmlns:p="http://schemas.openxmlformats.org/presentationml/2006/main">
+<p:sld xmlns:a="http://schemas.openxmlformats.org/drawingml/2006/main" xmlns:p="http://schemas.openxmlformats.org/presentationml/2006/main" xmlns:r="http://schemas.openxmlformats.org/officeDocument/2006/relationships">
   <p:cSld>
     <p:spTree>
       <p:nvGrpSpPr>
@@ -4147,14 +4007,7 @@
         <p:cNvGrpSpPr/>
         <p:nvPr/>
       </p:nvGrpSpPr>
-      <p:grpSpPr>
-        <a:xfrm>
-          <a:off x="0" y="0"/>
-          <a:ext cx="0" cy="0"/>
-          <a:chOff x="0" y="0"/>
-          <a:chExt cx="0" cy="0"/>
-        </a:xfrm>
-      </p:grpSpPr>
+      <p:grpSpPr/>
       <p:sp>
         <p:nvSpPr>
           <p:cNvPr id="2" name="Title 1"/>
@@ -4192,30 +4045,20 @@
           <a:lstStyle/>
           <a:p>
             <a:r>
-              <a:rPr dirty="0"/>
               <a:t> Use CloudWatch Insights to analyze logs:</a:t>
             </a:r>
-            <a:endParaRPr lang="en-US" dirty="0"/>
-          </a:p>
-          <a:p>
-            <a:endParaRPr dirty="0"/>
-          </a:p>
-          <a:p>
-            <a:endParaRPr dirty="0"/>
-          </a:p>
-          <a:p>
-            <a:endParaRPr dirty="0"/>
-          </a:p>
-          <a:p>
-            <a:r>
-              <a:rPr b="1" dirty="0"/>
+          </a:p>
+          <a:p/>
+          <a:p/>
+          <a:p>
+            <a:r>
+              <a:rPr b="1"/>
               <a:t> Why use Insights?</a:t>
             </a:r>
           </a:p>
           <a:p>
             <a:pPr lvl="1"/>
             <a:r>
-              <a:rPr dirty="0"/>
               <a:t> Provides advanced querying capabilities to extract meaningful patterns from logs.</a:t>
             </a:r>
           </a:p>
@@ -4270,8 +4113,8 @@
         </p:blipFill>
         <p:spPr>
           <a:xfrm>
-            <a:off x="704088" y="1558131"/>
-            <a:ext cx="4826000" cy="977900"/>
+            <a:off x="0" y="1353312"/>
+            <a:ext cx="4826000" cy="1054100"/>
           </a:xfrm>
           <a:prstGeom prst="rect">
             <a:avLst/>
@@ -4287,7 +4130,7 @@
 </file>
 
 <file path=ppt/slides/slide23.xml><?xml version="1.0" encoding="utf-8"?>
-<p:sld xmlns:a="http://schemas.openxmlformats.org/drawingml/2006/main" xmlns:r="http://schemas.openxmlformats.org/officeDocument/2006/relationships" xmlns:p="http://schemas.openxmlformats.org/presentationml/2006/main">
+<p:sld xmlns:a="http://schemas.openxmlformats.org/drawingml/2006/main" xmlns:p="http://schemas.openxmlformats.org/presentationml/2006/main" xmlns:r="http://schemas.openxmlformats.org/officeDocument/2006/relationships">
   <p:cSld>
     <p:spTree>
       <p:nvGrpSpPr>
@@ -4295,14 +4138,7 @@
         <p:cNvGrpSpPr/>
         <p:nvPr/>
       </p:nvGrpSpPr>
-      <p:grpSpPr>
-        <a:xfrm>
-          <a:off x="0" y="0"/>
-          <a:ext cx="0" cy="0"/>
-          <a:chOff x="0" y="0"/>
-          <a:chExt cx="0" cy="0"/>
-        </a:xfrm>
-      </p:grpSpPr>
+      <p:grpSpPr/>
       <p:sp>
         <p:nvSpPr>
           <p:cNvPr id="2" name="Title 1"/>
@@ -4392,7 +4228,7 @@
 </file>
 
 <file path=ppt/slides/slide24.xml><?xml version="1.0" encoding="utf-8"?>
-<p:sld xmlns:a="http://schemas.openxmlformats.org/drawingml/2006/main" xmlns:r="http://schemas.openxmlformats.org/officeDocument/2006/relationships" xmlns:p="http://schemas.openxmlformats.org/presentationml/2006/main">
+<p:sld xmlns:a="http://schemas.openxmlformats.org/drawingml/2006/main" xmlns:p="http://schemas.openxmlformats.org/presentationml/2006/main" xmlns:r="http://schemas.openxmlformats.org/officeDocument/2006/relationships">
   <p:cSld>
     <p:spTree>
       <p:nvGrpSpPr>
@@ -4400,14 +4236,7 @@
         <p:cNvGrpSpPr/>
         <p:nvPr/>
       </p:nvGrpSpPr>
-      <p:grpSpPr>
-        <a:xfrm>
-          <a:off x="0" y="0"/>
-          <a:ext cx="0" cy="0"/>
-          <a:chOff x="0" y="0"/>
-          <a:chExt cx="0" cy="0"/>
-        </a:xfrm>
-      </p:grpSpPr>
+      <p:grpSpPr/>
       <p:sp>
         <p:nvSpPr>
           <p:cNvPr id="2" name="Subtitle 1"/>
@@ -4415,15 +4244,10 @@
             <a:spLocks noGrp="1"/>
           </p:cNvSpPr>
           <p:nvPr>
-            <p:ph type="subTitle" sz="quarter" idx="1"/>
-          </p:nvPr>
-        </p:nvSpPr>
-        <p:spPr>
-          <a:xfrm>
-            <a:off x="2498726" y="4984481"/>
-            <a:ext cx="6335713" cy="2235033"/>
-          </a:xfrm>
-        </p:spPr>
+            <p:ph type="subTitle" idx="1" sz="quarter"/>
+          </p:nvPr>
+        </p:nvSpPr>
+        <p:spPr/>
         <p:txBody>
           <a:bodyPr/>
           <a:lstStyle/>
@@ -4432,14 +4256,19 @@
               <a:defRPr sz="3200"/>
             </a:pPr>
             <a:r>
-              <a:rPr sz="2400" dirty="0"/>
               <a:t>Starting with Amazon Bedrock
-Summarizing an Audio File
-Enable Logging in Bedrock
 </a:t>
             </a:r>
             <a:r>
-              <a:rPr sz="2400" b="1" dirty="0"/>
+              <a:t>Summarizing an Audio File
+</a:t>
+            </a:r>
+            <a:r>
+              <a:t>Enable Logging in Bedrock
+</a:t>
+            </a:r>
+            <a:r>
+              <a:rPr b="1"/>
               <a:t>Deploying an AWS Lambda Function
 </a:t>
             </a:r>
@@ -4469,6 +4298,9 @@
               </a:rPr>
               <a:t>Deploying an AWS Lambda Function</a:t>
             </a:r>
+            <a:endParaRPr sz="4200" b="1" i="0">
+              <a:latin typeface="Times New Roman"/>
+            </a:endParaRPr>
           </a:p>
         </p:txBody>
       </p:sp>
@@ -4514,7 +4346,7 @@
 </file>
 
 <file path=ppt/slides/slide25.xml><?xml version="1.0" encoding="utf-8"?>
-<p:sld xmlns:a="http://schemas.openxmlformats.org/drawingml/2006/main" xmlns:r="http://schemas.openxmlformats.org/officeDocument/2006/relationships" xmlns:p="http://schemas.openxmlformats.org/presentationml/2006/main">
+<p:sld xmlns:a="http://schemas.openxmlformats.org/drawingml/2006/main" xmlns:p="http://schemas.openxmlformats.org/presentationml/2006/main" xmlns:r="http://schemas.openxmlformats.org/officeDocument/2006/relationships">
   <p:cSld>
     <p:spTree>
       <p:nvGrpSpPr>
@@ -4522,14 +4354,7 @@
         <p:cNvGrpSpPr/>
         <p:nvPr/>
       </p:nvGrpSpPr>
-      <p:grpSpPr>
-        <a:xfrm>
-          <a:off x="0" y="0"/>
-          <a:ext cx="0" cy="0"/>
-          <a:chOff x="0" y="0"/>
-          <a:chExt cx="0" cy="0"/>
-        </a:xfrm>
-      </p:grpSpPr>
+      <p:grpSpPr/>
       <p:sp>
         <p:nvSpPr>
           <p:cNvPr id="2" name="Title 1"/>
@@ -4635,7 +4460,7 @@
 </file>
 
 <file path=ppt/slides/slide26.xml><?xml version="1.0" encoding="utf-8"?>
-<p:sld xmlns:a="http://schemas.openxmlformats.org/drawingml/2006/main" xmlns:r="http://schemas.openxmlformats.org/officeDocument/2006/relationships" xmlns:p="http://schemas.openxmlformats.org/presentationml/2006/main">
+<p:sld xmlns:a="http://schemas.openxmlformats.org/drawingml/2006/main" xmlns:p="http://schemas.openxmlformats.org/presentationml/2006/main" xmlns:r="http://schemas.openxmlformats.org/officeDocument/2006/relationships">
   <p:cSld>
     <p:spTree>
       <p:nvGrpSpPr>
@@ -4643,14 +4468,7 @@
         <p:cNvGrpSpPr/>
         <p:nvPr/>
       </p:nvGrpSpPr>
-      <p:grpSpPr>
-        <a:xfrm>
-          <a:off x="0" y="0"/>
-          <a:ext cx="0" cy="0"/>
-          <a:chOff x="0" y="0"/>
-          <a:chExt cx="0" cy="0"/>
-        </a:xfrm>
-      </p:grpSpPr>
+      <p:grpSpPr/>
       <p:sp>
         <p:nvSpPr>
           <p:cNvPr id="2" name="Title 1"/>
@@ -4691,21 +4509,11 @@
               <a:t> Example:</a:t>
             </a:r>
           </a:p>
-          <a:p>
-            <a:endParaRPr/>
-          </a:p>
-          <a:p>
-            <a:endParaRPr/>
-          </a:p>
-          <a:p>
-            <a:endParaRPr/>
-          </a:p>
-          <a:p>
-            <a:endParaRPr/>
-          </a:p>
-          <a:p>
-            <a:endParaRPr/>
-          </a:p>
+          <a:p/>
+          <a:p/>
+          <a:p/>
+          <a:p/>
+          <a:p/>
         </p:txBody>
       </p:sp>
       <p:sp>
@@ -4757,8 +4565,8 @@
         </p:blipFill>
         <p:spPr>
           <a:xfrm>
-            <a:off x="704088" y="1558131"/>
-            <a:ext cx="8433562" cy="3547057"/>
+            <a:off x="0" y="1353312"/>
+            <a:ext cx="8636000" cy="3987800"/>
           </a:xfrm>
           <a:prstGeom prst="rect">
             <a:avLst/>
@@ -4774,7 +4582,7 @@
 </file>
 
 <file path=ppt/slides/slide27.xml><?xml version="1.0" encoding="utf-8"?>
-<p:sld xmlns:a="http://schemas.openxmlformats.org/drawingml/2006/main" xmlns:r="http://schemas.openxmlformats.org/officeDocument/2006/relationships" xmlns:p="http://schemas.openxmlformats.org/presentationml/2006/main">
+<p:sld xmlns:a="http://schemas.openxmlformats.org/drawingml/2006/main" xmlns:p="http://schemas.openxmlformats.org/presentationml/2006/main" xmlns:r="http://schemas.openxmlformats.org/officeDocument/2006/relationships">
   <p:cSld>
     <p:spTree>
       <p:nvGrpSpPr>
@@ -4782,14 +4590,7 @@
         <p:cNvGrpSpPr/>
         <p:nvPr/>
       </p:nvGrpSpPr>
-      <p:grpSpPr>
-        <a:xfrm>
-          <a:off x="0" y="0"/>
-          <a:ext cx="0" cy="0"/>
-          <a:chOff x="0" y="0"/>
-          <a:chExt cx="0" cy="0"/>
-        </a:xfrm>
-      </p:grpSpPr>
+      <p:grpSpPr/>
       <p:sp>
         <p:nvSpPr>
           <p:cNvPr id="2" name="Title 1"/>
@@ -4830,15 +4631,9 @@
               <a:t> Use AWS CLI for deployment:</a:t>
             </a:r>
           </a:p>
-          <a:p>
-            <a:endParaRPr/>
-          </a:p>
-          <a:p>
-            <a:endParaRPr/>
-          </a:p>
-          <a:p>
-            <a:endParaRPr/>
-          </a:p>
+          <a:p/>
+          <a:p/>
+          <a:p/>
         </p:txBody>
       </p:sp>
       <p:sp>
@@ -4890,8 +4685,8 @@
         </p:blipFill>
         <p:spPr>
           <a:xfrm>
-            <a:off x="704088" y="1634331"/>
-            <a:ext cx="8173212" cy="1273500"/>
+            <a:off x="0" y="1353312"/>
+            <a:ext cx="10922000" cy="1854200"/>
           </a:xfrm>
           <a:prstGeom prst="rect">
             <a:avLst/>
@@ -4907,7 +4702,7 @@
 </file>
 
 <file path=ppt/slides/slide28.xml><?xml version="1.0" encoding="utf-8"?>
-<p:sld xmlns:a="http://schemas.openxmlformats.org/drawingml/2006/main" xmlns:r="http://schemas.openxmlformats.org/officeDocument/2006/relationships" xmlns:p="http://schemas.openxmlformats.org/presentationml/2006/main">
+<p:sld xmlns:a="http://schemas.openxmlformats.org/drawingml/2006/main" xmlns:p="http://schemas.openxmlformats.org/presentationml/2006/main" xmlns:r="http://schemas.openxmlformats.org/officeDocument/2006/relationships">
   <p:cSld>
     <p:spTree>
       <p:nvGrpSpPr>
@@ -4915,14 +4710,7 @@
         <p:cNvGrpSpPr/>
         <p:nvPr/>
       </p:nvGrpSpPr>
-      <p:grpSpPr>
-        <a:xfrm>
-          <a:off x="0" y="0"/>
-          <a:ext cx="0" cy="0"/>
-          <a:chOff x="0" y="0"/>
-          <a:chExt cx="0" cy="0"/>
-        </a:xfrm>
-      </p:grpSpPr>
+      <p:grpSpPr/>
       <p:sp>
         <p:nvSpPr>
           <p:cNvPr id="2" name="Title 1"/>
@@ -5044,7 +4832,7 @@
 </file>
 
 <file path=ppt/slides/slide3.xml><?xml version="1.0" encoding="utf-8"?>
-<p:sld xmlns:a="http://schemas.openxmlformats.org/drawingml/2006/main" xmlns:r="http://schemas.openxmlformats.org/officeDocument/2006/relationships" xmlns:p="http://schemas.openxmlformats.org/presentationml/2006/main">
+<p:sld xmlns:a="http://schemas.openxmlformats.org/drawingml/2006/main" xmlns:p="http://schemas.openxmlformats.org/presentationml/2006/main" xmlns:r="http://schemas.openxmlformats.org/officeDocument/2006/relationships">
   <p:cSld>
     <p:spTree>
       <p:nvGrpSpPr>
@@ -5052,14 +4840,7 @@
         <p:cNvGrpSpPr/>
         <p:nvPr/>
       </p:nvGrpSpPr>
-      <p:grpSpPr>
-        <a:xfrm>
-          <a:off x="0" y="0"/>
-          <a:ext cx="0" cy="0"/>
-          <a:chOff x="0" y="0"/>
-          <a:chExt cx="0" cy="0"/>
-        </a:xfrm>
-      </p:grpSpPr>
+      <p:grpSpPr/>
       <p:sp>
         <p:nvSpPr>
           <p:cNvPr id="2" name="Title 1"/>
@@ -5189,7 +4970,7 @@
 </file>
 
 <file path=ppt/slides/slide4.xml><?xml version="1.0" encoding="utf-8"?>
-<p:sld xmlns:a="http://schemas.openxmlformats.org/drawingml/2006/main" xmlns:r="http://schemas.openxmlformats.org/officeDocument/2006/relationships" xmlns:p="http://schemas.openxmlformats.org/presentationml/2006/main">
+<p:sld xmlns:a="http://schemas.openxmlformats.org/drawingml/2006/main" xmlns:p="http://schemas.openxmlformats.org/presentationml/2006/main" xmlns:r="http://schemas.openxmlformats.org/officeDocument/2006/relationships">
   <p:cSld>
     <p:spTree>
       <p:nvGrpSpPr>
@@ -5197,14 +4978,7 @@
         <p:cNvGrpSpPr/>
         <p:nvPr/>
       </p:nvGrpSpPr>
-      <p:grpSpPr>
-        <a:xfrm>
-          <a:off x="0" y="0"/>
-          <a:ext cx="0" cy="0"/>
-          <a:chOff x="0" y="0"/>
-          <a:chExt cx="0" cy="0"/>
-        </a:xfrm>
-      </p:grpSpPr>
+      <p:grpSpPr/>
       <p:sp>
         <p:nvSpPr>
           <p:cNvPr id="2" name="Title 1"/>
@@ -5242,36 +5016,23 @@
           <a:lstStyle/>
           <a:p>
             <a:r>
-              <a:rPr dirty="0"/>
               <a:t> Import required libraries:</a:t>
             </a:r>
           </a:p>
-          <a:p>
-            <a:endParaRPr lang="en-US" dirty="0"/>
-          </a:p>
-          <a:p>
-            <a:endParaRPr lang="en-US" dirty="0"/>
-          </a:p>
-          <a:p>
-            <a:endParaRPr dirty="0"/>
-          </a:p>
-          <a:p>
-            <a:endParaRPr dirty="0"/>
-          </a:p>
-          <a:p>
-            <a:r>
-              <a:rPr b="1" dirty="0"/>
+          <a:p/>
+          <a:p/>
+          <a:p>
+            <a:r>
+              <a:rPr b="1"/>
               <a:t> Why this is critical</a:t>
             </a:r>
             <a:r>
-              <a:rPr dirty="0"/>
               <a:t> :</a:t>
             </a:r>
           </a:p>
           <a:p>
             <a:pPr lvl="1"/>
             <a:r>
-              <a:rPr dirty="0"/>
               <a:t> Ensures you have the right tools for invoking Bedrock’s API efficiently.</a:t>
             </a:r>
           </a:p>
@@ -5326,8 +5087,8 @@
         </p:blipFill>
         <p:spPr>
           <a:xfrm>
-            <a:off x="704088" y="1634331"/>
-            <a:ext cx="5588000" cy="1219200"/>
+            <a:off x="0" y="1353312"/>
+            <a:ext cx="5588000" cy="1320800"/>
           </a:xfrm>
           <a:prstGeom prst="rect">
             <a:avLst/>
@@ -5343,7 +5104,7 @@
 </file>
 
 <file path=ppt/slides/slide5.xml><?xml version="1.0" encoding="utf-8"?>
-<p:sld xmlns:a="http://schemas.openxmlformats.org/drawingml/2006/main" xmlns:r="http://schemas.openxmlformats.org/officeDocument/2006/relationships" xmlns:p="http://schemas.openxmlformats.org/presentationml/2006/main">
+<p:sld xmlns:a="http://schemas.openxmlformats.org/drawingml/2006/main" xmlns:p="http://schemas.openxmlformats.org/presentationml/2006/main" xmlns:r="http://schemas.openxmlformats.org/officeDocument/2006/relationships">
   <p:cSld>
     <p:spTree>
       <p:nvGrpSpPr>
@@ -5351,14 +5112,7 @@
         <p:cNvGrpSpPr/>
         <p:nvPr/>
       </p:nvGrpSpPr>
-      <p:grpSpPr>
-        <a:xfrm>
-          <a:off x="0" y="0"/>
-          <a:ext cx="0" cy="0"/>
-          <a:chOff x="0" y="0"/>
-          <a:chExt cx="0" cy="0"/>
-        </a:xfrm>
-      </p:grpSpPr>
+      <p:grpSpPr/>
       <p:sp>
         <p:nvSpPr>
           <p:cNvPr id="2" name="Title 1"/>
@@ -5464,7 +5218,7 @@
 </file>
 
 <file path=ppt/slides/slide6.xml><?xml version="1.0" encoding="utf-8"?>
-<p:sld xmlns:a="http://schemas.openxmlformats.org/drawingml/2006/main" xmlns:r="http://schemas.openxmlformats.org/officeDocument/2006/relationships" xmlns:p="http://schemas.openxmlformats.org/presentationml/2006/main">
+<p:sld xmlns:a="http://schemas.openxmlformats.org/drawingml/2006/main" xmlns:p="http://schemas.openxmlformats.org/presentationml/2006/main" xmlns:r="http://schemas.openxmlformats.org/officeDocument/2006/relationships">
   <p:cSld>
     <p:spTree>
       <p:nvGrpSpPr>
@@ -5472,14 +5226,7 @@
         <p:cNvGrpSpPr/>
         <p:nvPr/>
       </p:nvGrpSpPr>
-      <p:grpSpPr>
-        <a:xfrm>
-          <a:off x="0" y="0"/>
-          <a:ext cx="0" cy="0"/>
-          <a:chOff x="0" y="0"/>
-          <a:chExt cx="0" cy="0"/>
-        </a:xfrm>
-      </p:grpSpPr>
+      <p:grpSpPr/>
       <p:sp>
         <p:nvSpPr>
           <p:cNvPr id="2" name="Title 1"/>
@@ -5520,18 +5267,10 @@
               <a:t> Example of generating text:</a:t>
             </a:r>
           </a:p>
-          <a:p>
-            <a:endParaRPr/>
-          </a:p>
-          <a:p>
-            <a:endParaRPr/>
-          </a:p>
-          <a:p>
-            <a:endParaRPr/>
-          </a:p>
-          <a:p>
-            <a:endParaRPr/>
-          </a:p>
+          <a:p/>
+          <a:p/>
+          <a:p/>
+          <a:p/>
         </p:txBody>
       </p:sp>
       <p:sp>
@@ -5583,8 +5322,8 @@
         </p:blipFill>
         <p:spPr>
           <a:xfrm>
-            <a:off x="704088" y="1692451"/>
-            <a:ext cx="7792212" cy="1948053"/>
+            <a:off x="0" y="1353312"/>
+            <a:ext cx="9702800" cy="2654300"/>
           </a:xfrm>
           <a:prstGeom prst="rect">
             <a:avLst/>
@@ -5600,7 +5339,7 @@
 </file>
 
 <file path=ppt/slides/slide7.xml><?xml version="1.0" encoding="utf-8"?>
-<p:sld xmlns:a="http://schemas.openxmlformats.org/drawingml/2006/main" xmlns:r="http://schemas.openxmlformats.org/officeDocument/2006/relationships" xmlns:p="http://schemas.openxmlformats.org/presentationml/2006/main">
+<p:sld xmlns:a="http://schemas.openxmlformats.org/drawingml/2006/main" xmlns:p="http://schemas.openxmlformats.org/presentationml/2006/main" xmlns:r="http://schemas.openxmlformats.org/officeDocument/2006/relationships">
   <p:cSld>
     <p:spTree>
       <p:nvGrpSpPr>
@@ -5608,14 +5347,7 @@
         <p:cNvGrpSpPr/>
         <p:nvPr/>
       </p:nvGrpSpPr>
-      <p:grpSpPr>
-        <a:xfrm>
-          <a:off x="0" y="0"/>
-          <a:ext cx="0" cy="0"/>
-          <a:chOff x="0" y="0"/>
-          <a:chExt cx="0" cy="0"/>
-        </a:xfrm>
-      </p:grpSpPr>
+      <p:grpSpPr/>
       <p:sp>
         <p:nvSpPr>
           <p:cNvPr id="2" name="Title 1"/>
@@ -5737,7 +5469,7 @@
 </file>
 
 <file path=ppt/slides/slide8.xml><?xml version="1.0" encoding="utf-8"?>
-<p:sld xmlns:a="http://schemas.openxmlformats.org/drawingml/2006/main" xmlns:r="http://schemas.openxmlformats.org/officeDocument/2006/relationships" xmlns:p="http://schemas.openxmlformats.org/presentationml/2006/main">
+<p:sld xmlns:a="http://schemas.openxmlformats.org/drawingml/2006/main" xmlns:p="http://schemas.openxmlformats.org/presentationml/2006/main" xmlns:r="http://schemas.openxmlformats.org/officeDocument/2006/relationships">
   <p:cSld>
     <p:spTree>
       <p:nvGrpSpPr>
@@ -5745,14 +5477,7 @@
         <p:cNvGrpSpPr/>
         <p:nvPr/>
       </p:nvGrpSpPr>
-      <p:grpSpPr>
-        <a:xfrm>
-          <a:off x="0" y="0"/>
-          <a:ext cx="0" cy="0"/>
-          <a:chOff x="0" y="0"/>
-          <a:chExt cx="0" cy="0"/>
-        </a:xfrm>
-      </p:grpSpPr>
+      <p:grpSpPr/>
       <p:sp>
         <p:nvSpPr>
           <p:cNvPr id="2" name="Title 1"/>
@@ -5874,7 +5599,7 @@
 </file>
 
 <file path=ppt/slides/slide9.xml><?xml version="1.0" encoding="utf-8"?>
-<p:sld xmlns:a="http://schemas.openxmlformats.org/drawingml/2006/main" xmlns:r="http://schemas.openxmlformats.org/officeDocument/2006/relationships" xmlns:p="http://schemas.openxmlformats.org/presentationml/2006/main">
+<p:sld xmlns:a="http://schemas.openxmlformats.org/drawingml/2006/main" xmlns:p="http://schemas.openxmlformats.org/presentationml/2006/main" xmlns:r="http://schemas.openxmlformats.org/officeDocument/2006/relationships">
   <p:cSld>
     <p:spTree>
       <p:nvGrpSpPr>
@@ -5882,14 +5607,7 @@
         <p:cNvGrpSpPr/>
         <p:nvPr/>
       </p:nvGrpSpPr>
-      <p:grpSpPr>
-        <a:xfrm>
-          <a:off x="0" y="0"/>
-          <a:ext cx="0" cy="0"/>
-          <a:chOff x="0" y="0"/>
-          <a:chExt cx="0" cy="0"/>
-        </a:xfrm>
-      </p:grpSpPr>
+      <p:grpSpPr/>
       <p:sp>
         <p:nvSpPr>
           <p:cNvPr id="2" name="Title 1"/>
